--- a/Plan/Preparação.pptx
+++ b/Plan/Preparação.pptx
@@ -210,7 +210,7 @@
           <a:p>
             <a:fld id="{54BC8F5C-7117-4891-96D0-3F48FA281155}" type="datetimeFigureOut">
               <a:rPr lang="en-GB" smtClean="0"/>
-              <a:t>17/02/2025</a:t>
+              <a:t>26/08/2025</a:t>
             </a:fld>
             <a:endParaRPr lang="en-GB"/>
           </a:p>
@@ -2898,7 +2898,7 @@
           <a:p>
             <a:fld id="{4D8066D2-87CD-43BE-A80A-CA16500400E8}" type="datetimeFigureOut">
               <a:rPr lang="pt-PT" smtClean="0"/>
-              <a:t>17/02/2025</a:t>
+              <a:t>26/08/2025</a:t>
             </a:fld>
             <a:endParaRPr lang="pt-PT"/>
           </a:p>
@@ -3098,7 +3098,7 @@
           <a:p>
             <a:fld id="{4D8066D2-87CD-43BE-A80A-CA16500400E8}" type="datetimeFigureOut">
               <a:rPr lang="pt-PT" smtClean="0"/>
-              <a:t>17/02/2025</a:t>
+              <a:t>26/08/2025</a:t>
             </a:fld>
             <a:endParaRPr lang="pt-PT"/>
           </a:p>
@@ -3308,7 +3308,7 @@
           <a:p>
             <a:fld id="{4D8066D2-87CD-43BE-A80A-CA16500400E8}" type="datetimeFigureOut">
               <a:rPr lang="pt-PT" smtClean="0"/>
-              <a:t>17/02/2025</a:t>
+              <a:t>26/08/2025</a:t>
             </a:fld>
             <a:endParaRPr lang="pt-PT"/>
           </a:p>
@@ -3508,7 +3508,7 @@
           <a:p>
             <a:fld id="{4D8066D2-87CD-43BE-A80A-CA16500400E8}" type="datetimeFigureOut">
               <a:rPr lang="pt-PT" smtClean="0"/>
-              <a:t>17/02/2025</a:t>
+              <a:t>26/08/2025</a:t>
             </a:fld>
             <a:endParaRPr lang="pt-PT"/>
           </a:p>
@@ -3784,7 +3784,7 @@
           <a:p>
             <a:fld id="{4D8066D2-87CD-43BE-A80A-CA16500400E8}" type="datetimeFigureOut">
               <a:rPr lang="pt-PT" smtClean="0"/>
-              <a:t>17/02/2025</a:t>
+              <a:t>26/08/2025</a:t>
             </a:fld>
             <a:endParaRPr lang="pt-PT"/>
           </a:p>
@@ -4052,7 +4052,7 @@
           <a:p>
             <a:fld id="{4D8066D2-87CD-43BE-A80A-CA16500400E8}" type="datetimeFigureOut">
               <a:rPr lang="pt-PT" smtClean="0"/>
-              <a:t>17/02/2025</a:t>
+              <a:t>26/08/2025</a:t>
             </a:fld>
             <a:endParaRPr lang="pt-PT"/>
           </a:p>
@@ -4467,7 +4467,7 @@
           <a:p>
             <a:fld id="{4D8066D2-87CD-43BE-A80A-CA16500400E8}" type="datetimeFigureOut">
               <a:rPr lang="pt-PT" smtClean="0"/>
-              <a:t>17/02/2025</a:t>
+              <a:t>26/08/2025</a:t>
             </a:fld>
             <a:endParaRPr lang="pt-PT"/>
           </a:p>
@@ -4609,7 +4609,7 @@
           <a:p>
             <a:fld id="{4D8066D2-87CD-43BE-A80A-CA16500400E8}" type="datetimeFigureOut">
               <a:rPr lang="pt-PT" smtClean="0"/>
-              <a:t>17/02/2025</a:t>
+              <a:t>26/08/2025</a:t>
             </a:fld>
             <a:endParaRPr lang="pt-PT"/>
           </a:p>
@@ -4722,7 +4722,7 @@
           <a:p>
             <a:fld id="{4D8066D2-87CD-43BE-A80A-CA16500400E8}" type="datetimeFigureOut">
               <a:rPr lang="pt-PT" smtClean="0"/>
-              <a:t>17/02/2025</a:t>
+              <a:t>26/08/2025</a:t>
             </a:fld>
             <a:endParaRPr lang="pt-PT"/>
           </a:p>
@@ -5035,7 +5035,7 @@
           <a:p>
             <a:fld id="{4D8066D2-87CD-43BE-A80A-CA16500400E8}" type="datetimeFigureOut">
               <a:rPr lang="pt-PT" smtClean="0"/>
-              <a:t>17/02/2025</a:t>
+              <a:t>26/08/2025</a:t>
             </a:fld>
             <a:endParaRPr lang="pt-PT"/>
           </a:p>
@@ -5324,7 +5324,7 @@
           <a:p>
             <a:fld id="{4D8066D2-87CD-43BE-A80A-CA16500400E8}" type="datetimeFigureOut">
               <a:rPr lang="pt-PT" smtClean="0"/>
-              <a:t>17/02/2025</a:t>
+              <a:t>26/08/2025</a:t>
             </a:fld>
             <a:endParaRPr lang="pt-PT"/>
           </a:p>
@@ -5567,7 +5567,7 @@
           <a:p>
             <a:fld id="{4D8066D2-87CD-43BE-A80A-CA16500400E8}" type="datetimeFigureOut">
               <a:rPr lang="pt-PT" smtClean="0"/>
-              <a:t>17/02/2025</a:t>
+              <a:t>26/08/2025</a:t>
             </a:fld>
             <a:endParaRPr lang="pt-PT"/>
           </a:p>
